--- a/prezentáció_EV_KKL_PA_20210408.pptx
+++ b/prezentáció_EV_KKL_PA_20210408.pptx
@@ -116,6 +116,11 @@
       </a:defRPr>
     </a:lvl9pPr>
   </p:defaultTextStyle>
+  <p:extLst>
+    <p:ext uri="{EFAFB233-063F-42B5-8137-9DF3F51BA10A}">
+      <p15:sldGuideLst xmlns:p15="http://schemas.microsoft.com/office/powerpoint/2012/main"/>
+    </p:ext>
+  </p:extLst>
 </p:presentation>
 </file>
 
@@ -209,7 +214,7 @@
           <a:p>
             <a:fld id="{844E91BC-A809-4C02-8C48-1F559EE2DD10}" type="datetimeFigureOut">
               <a:rPr lang="hu-HU" smtClean="0"/>
-              <a:t>2021. 04. 06.</a:t>
+              <a:t>2021. 04. 07.</a:t>
             </a:fld>
             <a:endParaRPr lang="hu-HU"/>
           </a:p>
@@ -661,7 +666,7 @@
           <a:p>
             <a:fld id="{F7C805E3-7936-48CD-9D14-82FAF19E5900}" type="datetime1">
               <a:rPr lang="hu-HU" smtClean="0"/>
-              <a:t>2021. 04. 06.</a:t>
+              <a:t>2021. 04. 07.</a:t>
             </a:fld>
             <a:endParaRPr lang="hu-HU"/>
           </a:p>
@@ -959,7 +964,7 @@
           <a:p>
             <a:fld id="{ECB4F364-DF2B-498A-BC64-88B74D0B00A8}" type="datetime1">
               <a:rPr lang="hu-HU" smtClean="0"/>
-              <a:t>2021. 04. 06.</a:t>
+              <a:t>2021. 04. 07.</a:t>
             </a:fld>
             <a:endParaRPr lang="hu-HU"/>
           </a:p>
@@ -1151,7 +1156,7 @@
           <a:p>
             <a:fld id="{07FC81BE-CB2B-4614-BAF4-2D02DDD72540}" type="datetime1">
               <a:rPr lang="hu-HU" smtClean="0"/>
-              <a:t>2021. 04. 06.</a:t>
+              <a:t>2021. 04. 07.</a:t>
             </a:fld>
             <a:endParaRPr lang="hu-HU"/>
           </a:p>
@@ -1412,7 +1417,7 @@
           <a:p>
             <a:fld id="{75C191BA-F7AD-497F-BDD6-42B43FB95A68}" type="datetime1">
               <a:rPr lang="hu-HU" smtClean="0"/>
-              <a:t>2021. 04. 06.</a:t>
+              <a:t>2021. 04. 07.</a:t>
             </a:fld>
             <a:endParaRPr lang="hu-HU"/>
           </a:p>
@@ -1836,7 +1841,7 @@
           <a:p>
             <a:fld id="{D3E0AE78-FAFD-46C5-A90F-09008951E2E2}" type="datetime1">
               <a:rPr lang="hu-HU" smtClean="0"/>
-              <a:t>2021. 04. 06.</a:t>
+              <a:t>2021. 04. 07.</a:t>
             </a:fld>
             <a:endParaRPr lang="hu-HU"/>
           </a:p>
@@ -2373,7 +2378,7 @@
           <a:p>
             <a:fld id="{778BA2A3-7906-4E07-A6B2-BB3EFE61CB7E}" type="datetime1">
               <a:rPr lang="hu-HU" smtClean="0"/>
-              <a:t>2021. 04. 06.</a:t>
+              <a:t>2021. 04. 07.</a:t>
             </a:fld>
             <a:endParaRPr lang="hu-HU"/>
           </a:p>
@@ -3237,7 +3242,7 @@
           <a:p>
             <a:fld id="{632AE4DE-46BE-40F4-B09A-C55E377F8BDC}" type="datetime1">
               <a:rPr lang="hu-HU" smtClean="0"/>
-              <a:t>2021. 04. 06.</a:t>
+              <a:t>2021. 04. 07.</a:t>
             </a:fld>
             <a:endParaRPr lang="hu-HU"/>
           </a:p>
@@ -3407,7 +3412,7 @@
           <a:p>
             <a:fld id="{B16253AE-BEF6-4965-B28D-E637B7BB280F}" type="datetime1">
               <a:rPr lang="hu-HU" smtClean="0"/>
-              <a:t>2021. 04. 06.</a:t>
+              <a:t>2021. 04. 07.</a:t>
             </a:fld>
             <a:endParaRPr lang="hu-HU"/>
           </a:p>
@@ -3591,7 +3596,7 @@
           <a:p>
             <a:fld id="{DE5DCC2D-2F1F-4C71-A339-D4E6ABCACD15}" type="datetime1">
               <a:rPr lang="hu-HU" smtClean="0"/>
-              <a:t>2021. 04. 06.</a:t>
+              <a:t>2021. 04. 07.</a:t>
             </a:fld>
             <a:endParaRPr lang="hu-HU"/>
           </a:p>
@@ -3761,7 +3766,7 @@
           <a:p>
             <a:fld id="{964A2D6A-13B1-4AB6-B986-FDF18BEBC70D}" type="datetime1">
               <a:rPr lang="hu-HU" smtClean="0"/>
-              <a:t>2021. 04. 06.</a:t>
+              <a:t>2021. 04. 07.</a:t>
             </a:fld>
             <a:endParaRPr lang="hu-HU"/>
           </a:p>
@@ -4005,7 +4010,7 @@
           <a:p>
             <a:fld id="{BBCA6F2B-5409-4D67-93A9-5EC0A920BBE2}" type="datetime1">
               <a:rPr lang="hu-HU" smtClean="0"/>
-              <a:t>2021. 04. 06.</a:t>
+              <a:t>2021. 04. 07.</a:t>
             </a:fld>
             <a:endParaRPr lang="hu-HU"/>
           </a:p>
@@ -4241,7 +4246,7 @@
           <a:p>
             <a:fld id="{44A08326-4E5B-4DD7-91EB-0D7E16B1C6F4}" type="datetime1">
               <a:rPr lang="hu-HU" smtClean="0"/>
-              <a:t>2021. 04. 06.</a:t>
+              <a:t>2021. 04. 07.</a:t>
             </a:fld>
             <a:endParaRPr lang="hu-HU"/>
           </a:p>
@@ -4707,7 +4712,7 @@
           <a:p>
             <a:fld id="{5A284009-FFA0-499D-A8A8-B64675899592}" type="datetime1">
               <a:rPr lang="hu-HU" smtClean="0"/>
-              <a:t>2021. 04. 06.</a:t>
+              <a:t>2021. 04. 07.</a:t>
             </a:fld>
             <a:endParaRPr lang="hu-HU"/>
           </a:p>
@@ -4825,7 +4830,7 @@
           <a:p>
             <a:fld id="{1C1E75F5-7E7D-4F91-9892-CABBA07F1B63}" type="datetime1">
               <a:rPr lang="hu-HU" smtClean="0"/>
-              <a:t>2021. 04. 06.</a:t>
+              <a:t>2021. 04. 07.</a:t>
             </a:fld>
             <a:endParaRPr lang="hu-HU"/>
           </a:p>
@@ -4920,7 +4925,7 @@
           <a:p>
             <a:fld id="{24C15755-4355-4194-86BB-49C98C2FB9F8}" type="datetime1">
               <a:rPr lang="hu-HU" smtClean="0"/>
-              <a:t>2021. 04. 06.</a:t>
+              <a:t>2021. 04. 07.</a:t>
             </a:fld>
             <a:endParaRPr lang="hu-HU"/>
           </a:p>
@@ -5175,7 +5180,7 @@
           <a:p>
             <a:fld id="{A14E3276-6A81-4D58-B8DA-293EE81C5E8F}" type="datetime1">
               <a:rPr lang="hu-HU" smtClean="0"/>
-              <a:t>2021. 04. 06.</a:t>
+              <a:t>2021. 04. 07.</a:t>
             </a:fld>
             <a:endParaRPr lang="hu-HU"/>
           </a:p>
@@ -5475,7 +5480,7 @@
           <a:p>
             <a:fld id="{DBFDC288-89B4-4A93-9690-070568C5E9D1}" type="datetime1">
               <a:rPr lang="hu-HU" smtClean="0"/>
-              <a:t>2021. 04. 06.</a:t>
+              <a:t>2021. 04. 07.</a:t>
             </a:fld>
             <a:endParaRPr lang="hu-HU"/>
           </a:p>
@@ -5707,7 +5712,7 @@
           <a:p>
             <a:fld id="{C8FA91A2-B4DE-4D7B-9E7D-D2EA77C95F90}" type="datetime1">
               <a:rPr lang="hu-HU" smtClean="0"/>
-              <a:t>2021. 04. 06.</a:t>
+              <a:t>2021. 04. 07.</a:t>
             </a:fld>
             <a:endParaRPr lang="hu-HU" dirty="0"/>
           </a:p>
@@ -7834,14 +7839,85 @@
         </p:nvSpPr>
         <p:spPr>
           <a:xfrm>
-            <a:off x="913795" y="2177143"/>
-            <a:ext cx="10353762" cy="3614057"/>
-          </a:xfrm>
-        </p:spPr>
-        <p:txBody>
-          <a:bodyPr/>
-          <a:lstStyle/>
-          <a:p>
+            <a:off x="6085351" y="1924634"/>
+            <a:ext cx="5182205" cy="3614057"/>
+          </a:xfrm>
+        </p:spPr>
+        <p:txBody>
+          <a:bodyPr anchor="ctr"/>
+          <a:lstStyle/>
+          <a:p>
+            <a:r>
+              <a:rPr lang="hu-HU" dirty="0" err="1"/>
+              <a:t>Model</a:t>
+            </a:r>
+            <a:r>
+              <a:rPr lang="hu-HU" dirty="0"/>
+              <a:t> létrehozása</a:t>
+            </a:r>
+          </a:p>
+          <a:p>
+            <a:r>
+              <a:rPr lang="hu-HU" dirty="0"/>
+              <a:t>JSON import, export lehetőségek</a:t>
+            </a:r>
+          </a:p>
+          <a:p>
+            <a:r>
+              <a:rPr lang="hu-HU" dirty="0"/>
+              <a:t>Adatok memóriába töltése</a:t>
+            </a:r>
+          </a:p>
+          <a:p>
+            <a:pPr lvl="1"/>
+            <a:r>
+              <a:rPr lang="hu-HU" dirty="0" err="1"/>
+              <a:t>Singleton</a:t>
+            </a:r>
+            <a:r>
+              <a:rPr lang="hu-HU" dirty="0"/>
+              <a:t> Input-Data</a:t>
+            </a:r>
+          </a:p>
+          <a:p>
+            <a:r>
+              <a:rPr lang="hu-HU" dirty="0"/>
+              <a:t>Robosztus rendszer</a:t>
+            </a:r>
+          </a:p>
+          <a:p>
+            <a:pPr lvl="1"/>
+            <a:r>
+              <a:rPr lang="hu-HU" dirty="0"/>
+              <a:t>Automatikus </a:t>
+            </a:r>
+            <a:r>
+              <a:rPr lang="hu-HU" dirty="0" err="1"/>
+              <a:t>unique</a:t>
+            </a:r>
+            <a:r>
+              <a:rPr lang="hu-HU" dirty="0"/>
+              <a:t> ID-generálás</a:t>
+            </a:r>
+          </a:p>
+          <a:p>
+            <a:pPr lvl="1"/>
+            <a:r>
+              <a:rPr lang="hu-HU" dirty="0" err="1"/>
+              <a:t>Enumok</a:t>
+            </a:r>
+            <a:endParaRPr lang="hu-HU" dirty="0"/>
+          </a:p>
+          <a:p>
+            <a:pPr lvl="1"/>
+            <a:r>
+              <a:rPr lang="hu-HU" dirty="0"/>
+              <a:t>Adatforrás </a:t>
+            </a:r>
+            <a:r>
+              <a:rPr lang="hu-HU" dirty="0" err="1"/>
+              <a:t>interface</a:t>
+            </a:r>
             <a:endParaRPr lang="hu-HU" dirty="0"/>
           </a:p>
         </p:txBody>
@@ -7875,6 +7951,36 @@
           </a:p>
         </p:txBody>
       </p:sp>
+      <p:pic>
+        <p:nvPicPr>
+          <p:cNvPr id="6" name="Kép 5">
+            <a:extLst>
+              <a:ext uri="{FF2B5EF4-FFF2-40B4-BE49-F238E27FC236}">
+                <a16:creationId xmlns:a16="http://schemas.microsoft.com/office/drawing/2014/main" id="{E220CF29-65FC-4B97-A9A0-2251F0064B98}"/>
+              </a:ext>
+            </a:extLst>
+          </p:cNvPr>
+          <p:cNvPicPr>
+            <a:picLocks noChangeAspect="1"/>
+          </p:cNvPicPr>
+          <p:nvPr/>
+        </p:nvPicPr>
+        <p:blipFill>
+          <a:blip r:embed="rId2"/>
+          <a:stretch>
+            <a:fillRect/>
+          </a:stretch>
+        </p:blipFill>
+        <p:spPr>
+          <a:xfrm>
+            <a:off x="1258427" y="1675762"/>
+            <a:ext cx="3886742" cy="4572638"/>
+          </a:xfrm>
+          <a:prstGeom prst="rect">
+            <a:avLst/>
+          </a:prstGeom>
+        </p:spPr>
+      </p:pic>
     </p:spTree>
     <p:extLst>
       <p:ext uri="{BB962C8B-B14F-4D97-AF65-F5344CB8AC3E}">

--- a/prezentáció_EV_KKL_PA_20210408.pptx
+++ b/prezentáció_EV_KKL_PA_20210408.pptx
@@ -7725,10 +7725,123 @@
         </p:nvSpPr>
         <p:spPr/>
         <p:txBody>
-          <a:bodyPr/>
-          <a:lstStyle/>
-          <a:p>
-            <a:endParaRPr lang="hu-HU"/>
+          <a:bodyPr>
+            <a:normAutofit lnSpcReduction="10000"/>
+          </a:bodyPr>
+          <a:lstStyle/>
+          <a:p>
+            <a:r>
+              <a:rPr lang="hu-HU" dirty="0"/>
+              <a:t>Firebase – Java					Room </a:t>
+            </a:r>
+            <a:r>
+              <a:rPr lang="hu-HU" dirty="0" err="1"/>
+              <a:t>Collection</a:t>
+            </a:r>
+            <a:r>
+              <a:rPr lang="hu-HU" dirty="0"/>
+              <a:t>:</a:t>
+            </a:r>
+          </a:p>
+          <a:p>
+            <a:endParaRPr lang="hu-HU" dirty="0"/>
+          </a:p>
+          <a:p>
+            <a:r>
+              <a:rPr lang="hu-HU" dirty="0"/>
+              <a:t>MongoDB</a:t>
+            </a:r>
+          </a:p>
+          <a:p>
+            <a:pPr lvl="1"/>
+            <a:r>
+              <a:rPr lang="hu-HU" dirty="0"/>
+              <a:t>Atlas </a:t>
+            </a:r>
+            <a:r>
+              <a:rPr lang="hu-HU" dirty="0">
+                <a:sym typeface="Wingdings" panose="05000000000000000000" pitchFamily="2" charset="2"/>
+              </a:rPr>
+              <a:t></a:t>
+            </a:r>
+            <a:r>
+              <a:rPr lang="hu-HU" dirty="0"/>
+              <a:t> online adatbázis </a:t>
+            </a:r>
+          </a:p>
+          <a:p>
+            <a:pPr lvl="1"/>
+            <a:r>
+              <a:rPr lang="hu-HU" dirty="0"/>
+              <a:t>Rugalmas</a:t>
+            </a:r>
+          </a:p>
+          <a:p>
+            <a:pPr lvl="1"/>
+            <a:r>
+              <a:rPr lang="hu-HU" dirty="0"/>
+              <a:t>Gyors tesztelés</a:t>
+            </a:r>
+          </a:p>
+          <a:p>
+            <a:pPr lvl="1"/>
+            <a:endParaRPr lang="hu-HU" dirty="0"/>
+          </a:p>
+          <a:p>
+            <a:r>
+              <a:rPr lang="hu-HU" dirty="0"/>
+              <a:t>DatabaseHandler</a:t>
+            </a:r>
+          </a:p>
+          <a:p>
+            <a:pPr lvl="1"/>
+            <a:r>
+              <a:rPr lang="hu-HU" dirty="0"/>
+              <a:t>JSON </a:t>
+            </a:r>
+            <a:r>
+              <a:rPr lang="hu-HU" dirty="0">
+                <a:sym typeface="Wingdings" panose="05000000000000000000" pitchFamily="2" charset="2"/>
+              </a:rPr>
+              <a:t></a:t>
+            </a:r>
+            <a:r>
+              <a:rPr lang="hu-HU" dirty="0"/>
+              <a:t> Osztály				</a:t>
+            </a:r>
+            <a:r>
+              <a:rPr lang="hu-HU" dirty="0" err="1"/>
+              <a:t>Theater</a:t>
+            </a:r>
+            <a:r>
+              <a:rPr lang="hu-HU" dirty="0"/>
+              <a:t> </a:t>
+            </a:r>
+            <a:r>
+              <a:rPr lang="hu-HU" dirty="0" err="1"/>
+              <a:t>Collection</a:t>
+            </a:r>
+            <a:r>
+              <a:rPr lang="hu-HU" dirty="0"/>
+              <a:t>:</a:t>
+            </a:r>
+          </a:p>
+          <a:p>
+            <a:pPr lvl="1"/>
+            <a:r>
+              <a:rPr lang="hu-HU" dirty="0"/>
+              <a:t>Osztály </a:t>
+            </a:r>
+            <a:r>
+              <a:rPr lang="hu-HU" dirty="0">
+                <a:sym typeface="Wingdings" panose="05000000000000000000" pitchFamily="2" charset="2"/>
+              </a:rPr>
+              <a:t></a:t>
+            </a:r>
+            <a:r>
+              <a:rPr lang="hu-HU" dirty="0"/>
+              <a:t> JSON</a:t>
+            </a:r>
           </a:p>
         </p:txBody>
       </p:sp>
@@ -7761,6 +7874,122 @@
           </a:p>
         </p:txBody>
       </p:sp>
+      <p:sp>
+        <p:nvSpPr>
+          <p:cNvPr id="5" name="Szorzás jele 4">
+            <a:extLst>
+              <a:ext uri="{FF2B5EF4-FFF2-40B4-BE49-F238E27FC236}">
+                <a16:creationId xmlns:a16="http://schemas.microsoft.com/office/drawing/2014/main" id="{5379A96A-1F46-4252-81A8-92D13FE51501}"/>
+              </a:ext>
+            </a:extLst>
+          </p:cNvPr>
+          <p:cNvSpPr>
+            <a:spLocks noChangeAspect="1"/>
+          </p:cNvSpPr>
+          <p:nvPr/>
+        </p:nvSpPr>
+        <p:spPr>
+          <a:xfrm>
+            <a:off x="3047935" y="1640374"/>
+            <a:ext cx="470517" cy="470517"/>
+          </a:xfrm>
+          <a:prstGeom prst="mathMultiply">
+            <a:avLst/>
+          </a:prstGeom>
+          <a:solidFill>
+            <a:schemeClr val="tx1"/>
+          </a:solidFill>
+          <a:ln>
+            <a:solidFill>
+              <a:schemeClr val="tx1"/>
+            </a:solidFill>
+          </a:ln>
+        </p:spPr>
+        <p:style>
+          <a:lnRef idx="2">
+            <a:schemeClr val="accent1">
+              <a:shade val="50000"/>
+            </a:schemeClr>
+          </a:lnRef>
+          <a:fillRef idx="1">
+            <a:schemeClr val="accent1"/>
+          </a:fillRef>
+          <a:effectRef idx="0">
+            <a:schemeClr val="accent1"/>
+          </a:effectRef>
+          <a:fontRef idx="minor">
+            <a:schemeClr val="lt1"/>
+          </a:fontRef>
+        </p:style>
+        <p:txBody>
+          <a:bodyPr rtlCol="0" anchor="ctr"/>
+          <a:lstStyle/>
+          <a:p>
+            <a:pPr algn="ctr"/>
+            <a:endParaRPr lang="hu-HU"/>
+          </a:p>
+        </p:txBody>
+      </p:sp>
+      <p:pic>
+        <p:nvPicPr>
+          <p:cNvPr id="7" name="Kép 6">
+            <a:extLst>
+              <a:ext uri="{FF2B5EF4-FFF2-40B4-BE49-F238E27FC236}">
+                <a16:creationId xmlns:a16="http://schemas.microsoft.com/office/drawing/2014/main" id="{640BC1E1-63CC-4D53-9F9D-2F4A0583C8C1}"/>
+              </a:ext>
+            </a:extLst>
+          </p:cNvPr>
+          <p:cNvPicPr>
+            <a:picLocks noChangeAspect="1"/>
+          </p:cNvPicPr>
+          <p:nvPr/>
+        </p:nvPicPr>
+        <p:blipFill>
+          <a:blip r:embed="rId2"/>
+          <a:stretch>
+            <a:fillRect/>
+          </a:stretch>
+        </p:blipFill>
+        <p:spPr>
+          <a:xfrm>
+            <a:off x="5152631" y="2135121"/>
+            <a:ext cx="5057775" cy="2647950"/>
+          </a:xfrm>
+          <a:prstGeom prst="rect">
+            <a:avLst/>
+          </a:prstGeom>
+        </p:spPr>
+      </p:pic>
+      <p:pic>
+        <p:nvPicPr>
+          <p:cNvPr id="9" name="Kép 8">
+            <a:extLst>
+              <a:ext uri="{FF2B5EF4-FFF2-40B4-BE49-F238E27FC236}">
+                <a16:creationId xmlns:a16="http://schemas.microsoft.com/office/drawing/2014/main" id="{6C2AA94B-E607-49AD-8B64-FE069B630C45}"/>
+              </a:ext>
+            </a:extLst>
+          </p:cNvPr>
+          <p:cNvPicPr>
+            <a:picLocks noChangeAspect="1"/>
+          </p:cNvPicPr>
+          <p:nvPr/>
+        </p:nvPicPr>
+        <p:blipFill>
+          <a:blip r:embed="rId3"/>
+          <a:stretch>
+            <a:fillRect/>
+          </a:stretch>
+        </p:blipFill>
+        <p:spPr>
+          <a:xfrm>
+            <a:off x="5152631" y="5334444"/>
+            <a:ext cx="4391025" cy="819150"/>
+          </a:xfrm>
+          <a:prstGeom prst="rect">
+            <a:avLst/>
+          </a:prstGeom>
+        </p:spPr>
+      </p:pic>
     </p:spTree>
     <p:extLst>
       <p:ext uri="{BB962C8B-B14F-4D97-AF65-F5344CB8AC3E}">

--- a/prezentáció_EV_KKL_PA_20210408.pptx
+++ b/prezentáció_EV_KKL_PA_20210408.pptx
@@ -3801,13 +3801,23 @@
             <p:ph type="sldNum" sz="quarter" idx="12"/>
           </p:nvPr>
         </p:nvSpPr>
-        <p:spPr/>
+        <p:spPr>
+          <a:xfrm>
+            <a:off x="11143739" y="6248400"/>
+            <a:ext cx="753545" cy="365125"/>
+          </a:xfrm>
+        </p:spPr>
         <p:txBody>
           <a:bodyPr/>
-          <a:lstStyle/>
+          <a:lstStyle>
+            <a:lvl1pPr>
+              <a:defRPr sz="1200"/>
+            </a:lvl1pPr>
+          </a:lstStyle>
           <a:p>
             <a:fld id="{1BEE3749-361D-47A0-8538-EBB5B911DD9B}" type="slidenum">
               <a:rPr lang="hu-HU" smtClean="0"/>
+              <a:pPr/>
               <a:t>‹#›</a:t>
             </a:fld>
             <a:endParaRPr lang="hu-HU"/>
@@ -5774,7 +5784,7 @@
         </p:nvSpPr>
         <p:spPr>
           <a:xfrm>
-            <a:off x="10514011" y="5883275"/>
+            <a:off x="11152366" y="6248400"/>
             <a:ext cx="753545" cy="365125"/>
           </a:xfrm>
           <a:prstGeom prst="rect">
@@ -5785,7 +5795,7 @@
           <a:bodyPr vert="horz" lIns="91440" tIns="45720" rIns="91440" bIns="45720" rtlCol="0" anchor="ctr"/>
           <a:lstStyle>
             <a:lvl1pPr algn="r">
-              <a:defRPr sz="1000">
+              <a:defRPr sz="1200">
                 <a:solidFill>
                   <a:schemeClr val="tx1"/>
                 </a:solidFill>
@@ -6449,14 +6459,112 @@
         </p:spPr>
         <p:txBody>
           <a:bodyPr>
-            <a:normAutofit fontScale="92500" lnSpcReduction="10000"/>
+            <a:normAutofit lnSpcReduction="10000"/>
           </a:bodyPr>
           <a:lstStyle/>
           <a:p>
             <a:pPr algn="l"/>
             <a:r>
+              <a:rPr lang="hu-HU" sz="1800" dirty="0"/>
+              <a:t>Projekt alapú szoftverfejlesztés 1. bemutató</a:t>
+            </a:r>
+          </a:p>
+          <a:p>
+            <a:pPr algn="l"/>
+            <a:endParaRPr lang="hu-HU" sz="1800" dirty="0"/>
+          </a:p>
+          <a:p>
+            <a:pPr algn="l">
+              <a:tabLst>
+                <a:tab pos="3587750" algn="l"/>
+              </a:tabLst>
+            </a:pPr>
+            <a:r>
               <a:rPr lang="hu-HU" sz="1600" dirty="0"/>
-              <a:t>Készítette:</a:t>
+              <a:t>Készítette:	Konzulensek: </a:t>
+            </a:r>
+          </a:p>
+          <a:p>
+            <a:pPr algn="l">
+              <a:spcBef>
+                <a:spcPts val="0"/>
+              </a:spcBef>
+              <a:tabLst>
+                <a:tab pos="714375" algn="l"/>
+                <a:tab pos="4302125" algn="l"/>
+              </a:tabLst>
+            </a:pPr>
+            <a:r>
+              <a:rPr lang="hu-HU" sz="1600" dirty="0"/>
+              <a:t>	Egyed Vince	</a:t>
+            </a:r>
+            <a:r>
+              <a:rPr lang="hu-HU" sz="1600" dirty="0">
+                <a:effectLst/>
+                <a:ea typeface="Calibri" panose="020F0502020204030204" pitchFamily="34" charset="0"/>
+                <a:cs typeface="Times New Roman" panose="02020603050405020304" pitchFamily="18" charset="0"/>
+              </a:rPr>
+              <a:t>Dr. </a:t>
+            </a:r>
+            <a:r>
+              <a:rPr lang="hu-HU" sz="1600" dirty="0" err="1">
+                <a:effectLst/>
+                <a:ea typeface="Calibri" panose="020F0502020204030204" pitchFamily="34" charset="0"/>
+                <a:cs typeface="Times New Roman" panose="02020603050405020304" pitchFamily="18" charset="0"/>
+              </a:rPr>
+              <a:t>Fogarassyné</a:t>
+            </a:r>
+            <a:r>
+              <a:rPr lang="hu-HU" sz="1600" dirty="0">
+                <a:effectLst/>
+                <a:ea typeface="Calibri" panose="020F0502020204030204" pitchFamily="34" charset="0"/>
+                <a:cs typeface="Times New Roman" panose="02020603050405020304" pitchFamily="18" charset="0"/>
+              </a:rPr>
+              <a:t> Dr. </a:t>
+            </a:r>
+            <a:r>
+              <a:rPr lang="hu-HU" sz="1600" dirty="0" err="1">
+                <a:effectLst/>
+                <a:ea typeface="Calibri" panose="020F0502020204030204" pitchFamily="34" charset="0"/>
+                <a:cs typeface="Times New Roman" panose="02020603050405020304" pitchFamily="18" charset="0"/>
+              </a:rPr>
+              <a:t>Vathy</a:t>
+            </a:r>
+            <a:r>
+              <a:rPr lang="hu-HU" sz="1600" dirty="0">
+                <a:effectLst/>
+                <a:ea typeface="Calibri" panose="020F0502020204030204" pitchFamily="34" charset="0"/>
+                <a:cs typeface="Times New Roman" panose="02020603050405020304" pitchFamily="18" charset="0"/>
+              </a:rPr>
+              <a:t> Ágnes</a:t>
+            </a:r>
+            <a:endParaRPr lang="hu-HU" sz="1600" dirty="0"/>
+          </a:p>
+          <a:p>
+            <a:pPr algn="l">
+              <a:spcBef>
+                <a:spcPts val="0"/>
+              </a:spcBef>
+              <a:tabLst>
+                <a:tab pos="714375" algn="l"/>
+                <a:tab pos="4302125" algn="l"/>
+              </a:tabLst>
+            </a:pPr>
+            <a:r>
+              <a:rPr lang="hu-HU" sz="1600" dirty="0"/>
+              <a:t>	Puskás András </a:t>
+            </a:r>
+            <a:r>
+              <a:rPr lang="hu-HU" sz="1600" dirty="0">
+                <a:effectLst/>
+                <a:ea typeface="Calibri" panose="020F0502020204030204" pitchFamily="34" charset="0"/>
+                <a:cs typeface="Times New Roman" panose="02020603050405020304" pitchFamily="18" charset="0"/>
+              </a:rPr>
+              <a:t>	</a:t>
+            </a:r>
+            <a:r>
+              <a:rPr lang="hu-HU" sz="1600" dirty="0"/>
+              <a:t>Dr. Süle Zoltán</a:t>
             </a:r>
           </a:p>
           <a:p>
@@ -6469,127 +6577,18 @@
               </a:spcBef>
               <a:tabLst>
                 <a:tab pos="714375" algn="l"/>
+                <a:tab pos="4302125" algn="l"/>
               </a:tabLst>
             </a:pPr>
             <a:r>
               <a:rPr lang="hu-HU" sz="1600" dirty="0"/>
-              <a:t>	Egyed Vince</a:t>
-            </a:r>
-          </a:p>
-          <a:p>
-            <a:pPr algn="l">
-              <a:lnSpc>
-                <a:spcPct val="100000"/>
-              </a:lnSpc>
-              <a:spcBef>
-                <a:spcPts val="0"/>
-              </a:spcBef>
-              <a:tabLst>
-                <a:tab pos="714375" algn="l"/>
-              </a:tabLst>
-            </a:pPr>
-            <a:r>
-              <a:rPr lang="hu-HU" sz="1600" dirty="0"/>
               <a:t>	Kertész Krisztián Levente</a:t>
             </a:r>
-          </a:p>
-          <a:p>
-            <a:pPr algn="l">
-              <a:lnSpc>
-                <a:spcPct val="100000"/>
-              </a:lnSpc>
-              <a:spcBef>
-                <a:spcPts val="0"/>
-              </a:spcBef>
-              <a:tabLst>
-                <a:tab pos="714375" algn="l"/>
-              </a:tabLst>
-            </a:pPr>
-            <a:r>
-              <a:rPr lang="hu-HU" sz="1600" dirty="0"/>
-              <a:t>	Puskás András</a:t>
-            </a:r>
-          </a:p>
-          <a:p>
-            <a:pPr algn="l">
-              <a:tabLst>
-                <a:tab pos="714375" algn="l"/>
-              </a:tabLst>
-            </a:pPr>
-            <a:r>
-              <a:rPr lang="hu-HU" sz="1600" dirty="0"/>
-              <a:t>Konzulensek: </a:t>
-            </a:r>
-          </a:p>
-          <a:p>
-            <a:pPr algn="l">
-              <a:lnSpc>
-                <a:spcPct val="100000"/>
-              </a:lnSpc>
-              <a:spcBef>
-                <a:spcPts val="0"/>
-              </a:spcBef>
-              <a:tabLst>
-                <a:tab pos="714375" algn="l"/>
-              </a:tabLst>
-            </a:pPr>
-            <a:r>
-              <a:rPr lang="hu-HU" sz="1600" dirty="0">
-                <a:effectLst/>
-                <a:ea typeface="Calibri" panose="020F0502020204030204" pitchFamily="34" charset="0"/>
-                <a:cs typeface="Times New Roman" panose="02020603050405020304" pitchFamily="18" charset="0"/>
-              </a:rPr>
-              <a:t>	Dr. </a:t>
-            </a:r>
-            <a:r>
-              <a:rPr lang="hu-HU" sz="1600" dirty="0" err="1">
-                <a:effectLst/>
-                <a:ea typeface="Calibri" panose="020F0502020204030204" pitchFamily="34" charset="0"/>
-                <a:cs typeface="Times New Roman" panose="02020603050405020304" pitchFamily="18" charset="0"/>
-              </a:rPr>
-              <a:t>Fogarassyné</a:t>
-            </a:r>
-            <a:r>
-              <a:rPr lang="hu-HU" sz="1600" dirty="0">
-                <a:effectLst/>
-                <a:ea typeface="Calibri" panose="020F0502020204030204" pitchFamily="34" charset="0"/>
-                <a:cs typeface="Times New Roman" panose="02020603050405020304" pitchFamily="18" charset="0"/>
-              </a:rPr>
-              <a:t> Dr. </a:t>
-            </a:r>
-            <a:r>
-              <a:rPr lang="hu-HU" sz="1600" dirty="0" err="1">
-                <a:effectLst/>
-                <a:ea typeface="Calibri" panose="020F0502020204030204" pitchFamily="34" charset="0"/>
-                <a:cs typeface="Times New Roman" panose="02020603050405020304" pitchFamily="18" charset="0"/>
-              </a:rPr>
-              <a:t>Vathy</a:t>
-            </a:r>
-            <a:r>
-              <a:rPr lang="hu-HU" sz="1600" dirty="0">
-                <a:effectLst/>
-                <a:ea typeface="Calibri" panose="020F0502020204030204" pitchFamily="34" charset="0"/>
-                <a:cs typeface="Times New Roman" panose="02020603050405020304" pitchFamily="18" charset="0"/>
-              </a:rPr>
-              <a:t> Ágnes</a:t>
-            </a:r>
-          </a:p>
-          <a:p>
-            <a:pPr algn="l">
-              <a:lnSpc>
-                <a:spcPct val="100000"/>
-              </a:lnSpc>
-              <a:spcBef>
-                <a:spcPts val="0"/>
-              </a:spcBef>
-              <a:tabLst>
-                <a:tab pos="714375" algn="l"/>
-              </a:tabLst>
-            </a:pPr>
-            <a:r>
-              <a:rPr lang="hu-HU" sz="1600" dirty="0"/>
-              <a:t>	Dr. Süle Zoltán</a:t>
-            </a:r>
+            <a:endParaRPr lang="hu-HU" sz="1600" dirty="0">
+              <a:effectLst/>
+              <a:ea typeface="Calibri" panose="020F0502020204030204" pitchFamily="34" charset="0"/>
+              <a:cs typeface="Times New Roman" panose="02020603050405020304" pitchFamily="18" charset="0"/>
+            </a:endParaRPr>
           </a:p>
         </p:txBody>
       </p:sp>
@@ -6892,7 +6891,10 @@
               <a:rPr lang="hu-HU" smtClean="0"/>
               <a:t>10</a:t>
             </a:fld>
-            <a:endParaRPr lang="hu-HU"/>
+            <a:r>
+              <a:rPr lang="hu-HU" dirty="0"/>
+              <a:t>/10</a:t>
+            </a:r>
           </a:p>
         </p:txBody>
       </p:sp>
@@ -7128,7 +7130,10 @@
               <a:rPr lang="hu-HU" smtClean="0"/>
               <a:t>2</a:t>
             </a:fld>
-            <a:endParaRPr lang="hu-HU"/>
+            <a:r>
+              <a:rPr lang="hu-HU" dirty="0"/>
+              <a:t>/10</a:t>
+            </a:r>
           </a:p>
         </p:txBody>
       </p:sp>
@@ -7321,7 +7326,10 @@
               <a:rPr lang="hu-HU" smtClean="0"/>
               <a:t>3</a:t>
             </a:fld>
-            <a:endParaRPr lang="hu-HU"/>
+            <a:r>
+              <a:rPr lang="hu-HU" dirty="0"/>
+              <a:t>/10</a:t>
+            </a:r>
           </a:p>
         </p:txBody>
       </p:sp>
@@ -7640,7 +7648,10 @@
               <a:rPr lang="hu-HU" smtClean="0"/>
               <a:t>4</a:t>
             </a:fld>
-            <a:endParaRPr lang="hu-HU"/>
+            <a:r>
+              <a:rPr lang="hu-HU" dirty="0"/>
+              <a:t>/10</a:t>
+            </a:r>
           </a:p>
         </p:txBody>
       </p:sp>
@@ -7870,7 +7881,10 @@
               <a:rPr lang="hu-HU" smtClean="0"/>
               <a:t>5</a:t>
             </a:fld>
-            <a:endParaRPr lang="hu-HU"/>
+            <a:r>
+              <a:rPr lang="hu-HU" dirty="0"/>
+              <a:t>/10</a:t>
+            </a:r>
           </a:p>
         </p:txBody>
       </p:sp>
@@ -8176,7 +8190,10 @@
               <a:rPr lang="hu-HU" smtClean="0"/>
               <a:t>6</a:t>
             </a:fld>
-            <a:endParaRPr lang="hu-HU"/>
+            <a:r>
+              <a:rPr lang="hu-HU" dirty="0"/>
+              <a:t>/10</a:t>
+            </a:r>
           </a:p>
         </p:txBody>
       </p:sp>
@@ -8454,7 +8471,10 @@
               <a:rPr lang="hu-HU" smtClean="0"/>
               <a:t>7</a:t>
             </a:fld>
-            <a:endParaRPr lang="hu-HU"/>
+            <a:r>
+              <a:rPr lang="hu-HU" dirty="0"/>
+              <a:t>/10</a:t>
+            </a:r>
           </a:p>
         </p:txBody>
       </p:sp>
@@ -9071,7 +9091,10 @@
               <a:rPr lang="hu-HU" smtClean="0"/>
               <a:t>8</a:t>
             </a:fld>
-            <a:endParaRPr lang="hu-HU"/>
+            <a:r>
+              <a:rPr lang="hu-HU" dirty="0"/>
+              <a:t>/10</a:t>
+            </a:r>
           </a:p>
         </p:txBody>
       </p:sp>
@@ -9214,7 +9237,10 @@
               <a:rPr lang="hu-HU" smtClean="0"/>
               <a:t>9</a:t>
             </a:fld>
-            <a:endParaRPr lang="hu-HU"/>
+            <a:r>
+              <a:rPr lang="hu-HU" dirty="0"/>
+              <a:t>/10</a:t>
+            </a:r>
           </a:p>
         </p:txBody>
       </p:sp>
